--- a/raman_week11.pptx
+++ b/raman_week11.pptx
@@ -11,6 +11,7 @@
     <p:sldId id="272" r:id="rId5"/>
     <p:sldId id="273" r:id="rId6"/>
     <p:sldId id="275" r:id="rId7"/>
+    <p:sldId id="276" r:id="rId8"/>
   </p:sldIdLst>
   <p:sldSz cx="12192000" cy="6858000"/>
   <p:notesSz cx="6858000" cy="9144000"/>
@@ -4559,6 +4560,14 @@
 <file path=ppt/slides/slide6.xml><?xml version="1.0" encoding="utf-8"?>
 <p:sld xmlns:a="http://schemas.openxmlformats.org/drawingml/2006/main" xmlns:r="http://schemas.openxmlformats.org/officeDocument/2006/relationships" xmlns:p="http://schemas.openxmlformats.org/presentationml/2006/main">
   <p:cSld>
+    <p:bg>
+      <p:bgPr>
+        <a:solidFill>
+          <a:schemeClr val="bg1"/>
+        </a:solidFill>
+        <a:effectLst/>
+      </p:bgPr>
+    </p:bg>
     <p:spTree>
       <p:nvGrpSpPr>
         <p:cNvPr id="1" name=""/>
@@ -4573,102 +4582,434 @@
           <a:chExt cx="0" cy="0"/>
         </a:xfrm>
       </p:grpSpPr>
-      <p:sp>
-        <p:nvSpPr>
-          <p:cNvPr id="3" name="Content Placeholder 2">
-            <a:extLst>
-              <a:ext uri="{FF2B5EF4-FFF2-40B4-BE49-F238E27FC236}">
-                <a16:creationId xmlns:a16="http://schemas.microsoft.com/office/drawing/2014/main" id="{16CC3625-9A1F-215F-A407-5943751BFF5C}"/>
-              </a:ext>
-            </a:extLst>
-          </p:cNvPr>
-          <p:cNvSpPr>
-            <a:spLocks noGrp="1"/>
-          </p:cNvSpPr>
-          <p:nvPr>
-            <p:ph idx="1"/>
+      <p:sp useBgFill="1">
+        <p:nvSpPr>
+          <p:cNvPr id="12" name="Rectangle 11">
+            <a:extLst>
+              <a:ext uri="{FF2B5EF4-FFF2-40B4-BE49-F238E27FC236}">
+                <a16:creationId xmlns:a16="http://schemas.microsoft.com/office/drawing/2014/main" id="{149FB5C3-7336-4FE0-A30C-CC0A3646D499}"/>
+              </a:ext>
+              <a:ext uri="{C183D7F6-B498-43B3-948B-1728B52AA6E4}">
+                <adec:decorative xmlns:adec="http://schemas.microsoft.com/office/drawing/2017/decorative" val="1"/>
+              </a:ext>
+            </a:extLst>
+          </p:cNvPr>
+          <p:cNvSpPr>
+            <a:spLocks noGrp="1" noRot="1" noChangeAspect="1" noMove="1" noResize="1" noEditPoints="1" noAdjustHandles="1" noChangeArrowheads="1" noChangeShapeType="1" noTextEdit="1"/>
+          </p:cNvSpPr>
+          <p:nvPr>
+            <p:extLst>
+              <p:ext uri="{386F3935-93C4-4BCD-93E2-E3B085C9AB24}">
+                <p16:designElem xmlns:p16="http://schemas.microsoft.com/office/powerpoint/2015/main" val="1"/>
+              </p:ext>
+            </p:extLst>
           </p:nvPr>
         </p:nvSpPr>
         <p:spPr>
           <a:xfrm>
-            <a:off x="331305" y="407504"/>
-            <a:ext cx="6437244" cy="6042991"/>
+            <a:off x="0" y="0"/>
+            <a:ext cx="12191999" cy="6857365"/>
+          </a:xfrm>
+          <a:prstGeom prst="rect">
+            <a:avLst/>
+          </a:prstGeom>
+          <a:ln>
+            <a:noFill/>
+          </a:ln>
+        </p:spPr>
+        <p:style>
+          <a:lnRef idx="2">
+            <a:schemeClr val="accent1">
+              <a:shade val="50000"/>
+            </a:schemeClr>
+          </a:lnRef>
+          <a:fillRef idx="1">
+            <a:schemeClr val="accent1"/>
+          </a:fillRef>
+          <a:effectRef idx="0">
+            <a:schemeClr val="accent1"/>
+          </a:effectRef>
+          <a:fontRef idx="minor">
+            <a:schemeClr val="lt1"/>
+          </a:fontRef>
+        </p:style>
+        <p:txBody>
+          <a:bodyPr rtlCol="0" anchor="ctr"/>
+          <a:lstStyle/>
+          <a:p>
+            <a:pPr algn="ctr"/>
+            <a:endParaRPr lang="en-US"/>
+          </a:p>
+        </p:txBody>
+      </p:sp>
+      <p:grpSp>
+        <p:nvGrpSpPr>
+          <p:cNvPr id="14" name="Group 13">
+            <a:extLst>
+              <a:ext uri="{FF2B5EF4-FFF2-40B4-BE49-F238E27FC236}">
+                <a16:creationId xmlns:a16="http://schemas.microsoft.com/office/drawing/2014/main" id="{19A6B5CE-CB1D-48EE-8B43-E952235C8371}"/>
+              </a:ext>
+              <a:ext uri="{C183D7F6-B498-43B3-948B-1728B52AA6E4}">
+                <adec:decorative xmlns:adec="http://schemas.microsoft.com/office/drawing/2017/decorative" val="1"/>
+              </a:ext>
+            </a:extLst>
+          </p:cNvPr>
+          <p:cNvGrpSpPr>
+            <a:grpSpLocks noGrp="1" noUngrp="1" noRot="1" noChangeAspect="1" noMove="1" noResize="1"/>
+          </p:cNvGrpSpPr>
+          <p:nvPr>
+            <p:extLst>
+              <p:ext uri="{386F3935-93C4-4BCD-93E2-E3B085C9AB24}">
+                <p16:designElem xmlns:p16="http://schemas.microsoft.com/office/powerpoint/2015/main" val="1"/>
+              </p:ext>
+            </p:extLst>
+          </p:nvPr>
+        </p:nvGrpSpPr>
+        <p:grpSpPr>
+          <a:xfrm rot="5400000">
+            <a:off x="-2340441" y="2666183"/>
+            <a:ext cx="5860051" cy="527712"/>
+            <a:chOff x="6081624" y="1998368"/>
+            <a:chExt cx="5613457" cy="782175"/>
+          </a:xfrm>
+          <a:solidFill>
+            <a:schemeClr val="accent4"/>
+          </a:solidFill>
+        </p:grpSpPr>
+        <p:sp>
+          <p:nvSpPr>
+            <p:cNvPr id="15" name="Rectangle 14">
+              <a:extLst>
+                <a:ext uri="{FF2B5EF4-FFF2-40B4-BE49-F238E27FC236}">
+                  <a16:creationId xmlns:a16="http://schemas.microsoft.com/office/drawing/2014/main" id="{E3F3EAA5-4E15-400B-BBA3-82B3F49A2178}"/>
+                </a:ext>
+                <a:ext uri="{C183D7F6-B498-43B3-948B-1728B52AA6E4}">
+                  <adec:decorative xmlns:adec="http://schemas.microsoft.com/office/drawing/2017/decorative" val="1"/>
+                </a:ext>
+              </a:extLst>
+            </p:cNvPr>
+            <p:cNvSpPr/>
+            <p:nvPr>
+              <p:extLst>
+                <p:ext uri="{386F3935-93C4-4BCD-93E2-E3B085C9AB24}">
+                  <p16:designElem xmlns:p16="http://schemas.microsoft.com/office/powerpoint/2015/main" val="1"/>
+                </p:ext>
+              </p:extLst>
+            </p:nvPr>
+          </p:nvSpPr>
+          <p:spPr>
+            <a:xfrm rot="5400000">
+              <a:off x="11228040" y="2313027"/>
+              <a:ext cx="781700" cy="152382"/>
+            </a:xfrm>
+            <a:prstGeom prst="rect">
+              <a:avLst/>
+            </a:prstGeom>
+            <a:grpFill/>
+            <a:ln>
+              <a:noFill/>
+            </a:ln>
+          </p:spPr>
+          <p:style>
+            <a:lnRef idx="2">
+              <a:schemeClr val="accent1">
+                <a:shade val="50000"/>
+              </a:schemeClr>
+            </a:lnRef>
+            <a:fillRef idx="1">
+              <a:schemeClr val="accent1"/>
+            </a:fillRef>
+            <a:effectRef idx="0">
+              <a:schemeClr val="accent1"/>
+            </a:effectRef>
+            <a:fontRef idx="minor">
+              <a:schemeClr val="lt1"/>
+            </a:fontRef>
+          </p:style>
+          <p:txBody>
+            <a:bodyPr rtlCol="0" anchor="ctr"/>
+            <a:lstStyle/>
+            <a:p>
+              <a:pPr algn="ctr"/>
+              <a:endParaRPr lang="en-US"/>
+            </a:p>
+          </p:txBody>
+        </p:sp>
+        <p:sp>
+          <p:nvSpPr>
+            <p:cNvPr id="16" name="Rectangle 15">
+              <a:extLst>
+                <a:ext uri="{FF2B5EF4-FFF2-40B4-BE49-F238E27FC236}">
+                  <a16:creationId xmlns:a16="http://schemas.microsoft.com/office/drawing/2014/main" id="{72BA2E40-BE9B-4C54-9CDD-40EE804CCE64}"/>
+                </a:ext>
+                <a:ext uri="{C183D7F6-B498-43B3-948B-1728B52AA6E4}">
+                  <adec:decorative xmlns:adec="http://schemas.microsoft.com/office/drawing/2017/decorative" val="1"/>
+                </a:ext>
+              </a:extLst>
+            </p:cNvPr>
+            <p:cNvSpPr/>
+            <p:nvPr>
+              <p:extLst>
+                <p:ext uri="{386F3935-93C4-4BCD-93E2-E3B085C9AB24}">
+                  <p16:designElem xmlns:p16="http://schemas.microsoft.com/office/powerpoint/2015/main" val="1"/>
+                </p:ext>
+              </p:extLst>
+            </p:nvPr>
+          </p:nvSpPr>
+          <p:spPr>
+            <a:xfrm flipH="1" flipV="1">
+              <a:off x="6081624" y="1998844"/>
+              <a:ext cx="5372968" cy="781699"/>
+            </a:xfrm>
+            <a:prstGeom prst="rect">
+              <a:avLst/>
+            </a:prstGeom>
+            <a:grpFill/>
+            <a:ln>
+              <a:noFill/>
+            </a:ln>
+          </p:spPr>
+          <p:style>
+            <a:lnRef idx="2">
+              <a:schemeClr val="accent1">
+                <a:shade val="50000"/>
+              </a:schemeClr>
+            </a:lnRef>
+            <a:fillRef idx="1">
+              <a:schemeClr val="accent1"/>
+            </a:fillRef>
+            <a:effectRef idx="0">
+              <a:schemeClr val="accent1"/>
+            </a:effectRef>
+            <a:fontRef idx="minor">
+              <a:schemeClr val="lt1"/>
+            </a:fontRef>
+          </p:style>
+          <p:txBody>
+            <a:bodyPr rtlCol="0" anchor="ctr"/>
+            <a:lstStyle/>
+            <a:p>
+              <a:pPr algn="ctr"/>
+              <a:endParaRPr lang="en-US"/>
+            </a:p>
+          </p:txBody>
+        </p:sp>
+      </p:grpSp>
+      <p:sp>
+        <p:nvSpPr>
+          <p:cNvPr id="18" name="Rectangle 17">
+            <a:extLst>
+              <a:ext uri="{FF2B5EF4-FFF2-40B4-BE49-F238E27FC236}">
+                <a16:creationId xmlns:a16="http://schemas.microsoft.com/office/drawing/2014/main" id="{0DA909B4-15FF-46A6-8A7F-7AEF977FE9ED}"/>
+              </a:ext>
+              <a:ext uri="{C183D7F6-B498-43B3-948B-1728B52AA6E4}">
+                <adec:decorative xmlns:adec="http://schemas.microsoft.com/office/drawing/2017/decorative" val="1"/>
+              </a:ext>
+            </a:extLst>
+          </p:cNvPr>
+          <p:cNvSpPr>
+            <a:spLocks noGrp="1" noRot="1" noChangeAspect="1" noMove="1" noResize="1" noEditPoints="1" noAdjustHandles="1" noChangeArrowheads="1" noChangeShapeType="1" noTextEdit="1"/>
+          </p:cNvSpPr>
+          <p:nvPr>
+            <p:extLst>
+              <p:ext uri="{386F3935-93C4-4BCD-93E2-E3B085C9AB24}">
+                <p16:designElem xmlns:p16="http://schemas.microsoft.com/office/powerpoint/2015/main" val="1"/>
+              </p:ext>
+            </p:extLst>
+          </p:nvPr>
+        </p:nvSpPr>
+        <p:spPr>
+          <a:xfrm>
+            <a:off x="579528" y="517897"/>
+            <a:ext cx="11111729" cy="5857966"/>
+          </a:xfrm>
+          <a:prstGeom prst="rect">
+            <a:avLst/>
+          </a:prstGeom>
+          <a:solidFill>
+            <a:schemeClr val="bg1"/>
+          </a:solidFill>
+          <a:ln>
+            <a:noFill/>
+          </a:ln>
+          <a:effectLst>
+            <a:outerShdw blurRad="139700" dist="127000" dir="5400000" algn="t" rotWithShape="0">
+              <a:prstClr val="black">
+                <a:alpha val="15000"/>
+              </a:prstClr>
+            </a:outerShdw>
+          </a:effectLst>
+        </p:spPr>
+        <p:style>
+          <a:lnRef idx="2">
+            <a:schemeClr val="accent1">
+              <a:shade val="50000"/>
+            </a:schemeClr>
+          </a:lnRef>
+          <a:fillRef idx="1">
+            <a:schemeClr val="accent1"/>
+          </a:fillRef>
+          <a:effectRef idx="0">
+            <a:schemeClr val="accent1"/>
+          </a:effectRef>
+          <a:fontRef idx="minor">
+            <a:schemeClr val="lt1"/>
+          </a:fontRef>
+        </p:style>
+        <p:txBody>
+          <a:bodyPr rtlCol="0" anchor="ctr"/>
+          <a:lstStyle/>
+          <a:p>
+            <a:pPr algn="ctr"/>
+            <a:endParaRPr lang="en-US"/>
+          </a:p>
+        </p:txBody>
+      </p:sp>
+      <p:sp>
+        <p:nvSpPr>
+          <p:cNvPr id="20" name="Rectangle 19">
+            <a:extLst>
+              <a:ext uri="{FF2B5EF4-FFF2-40B4-BE49-F238E27FC236}">
+                <a16:creationId xmlns:a16="http://schemas.microsoft.com/office/drawing/2014/main" id="{1382A32C-5B0C-4B1C-A074-76C6DBCC9F87}"/>
+              </a:ext>
+              <a:ext uri="{C183D7F6-B498-43B3-948B-1728B52AA6E4}">
+                <adec:decorative xmlns:adec="http://schemas.microsoft.com/office/drawing/2017/decorative" val="1"/>
+              </a:ext>
+            </a:extLst>
+          </p:cNvPr>
+          <p:cNvSpPr>
+            <a:spLocks noGrp="1" noRot="1" noChangeAspect="1" noMove="1" noResize="1" noEditPoints="1" noAdjustHandles="1" noChangeArrowheads="1" noChangeShapeType="1" noTextEdit="1"/>
+          </p:cNvSpPr>
+          <p:nvPr>
+            <p:extLst>
+              <p:ext uri="{386F3935-93C4-4BCD-93E2-E3B085C9AB24}">
+                <p16:designElem xmlns:p16="http://schemas.microsoft.com/office/powerpoint/2015/main" val="1"/>
+              </p:ext>
+            </p:extLst>
+          </p:nvPr>
+        </p:nvSpPr>
+        <p:spPr>
+          <a:xfrm flipH="1">
+            <a:off x="1055714" y="2263365"/>
+            <a:ext cx="4937760" cy="27432"/>
+          </a:xfrm>
+          <a:prstGeom prst="rect">
+            <a:avLst/>
+          </a:prstGeom>
+          <a:solidFill>
+            <a:schemeClr val="accent4"/>
+          </a:solidFill>
+          <a:ln>
+            <a:noFill/>
+          </a:ln>
+        </p:spPr>
+        <p:style>
+          <a:lnRef idx="2">
+            <a:schemeClr val="accent1">
+              <a:shade val="50000"/>
+            </a:schemeClr>
+          </a:lnRef>
+          <a:fillRef idx="1">
+            <a:schemeClr val="accent1"/>
+          </a:fillRef>
+          <a:effectRef idx="0">
+            <a:schemeClr val="accent1"/>
+          </a:effectRef>
+          <a:fontRef idx="minor">
+            <a:schemeClr val="lt1"/>
+          </a:fontRef>
+        </p:style>
+        <p:txBody>
+          <a:bodyPr rtlCol="0" anchor="ctr"/>
+          <a:lstStyle/>
+          <a:p>
+            <a:pPr algn="ctr"/>
+            <a:endParaRPr lang="en-US"/>
+          </a:p>
+        </p:txBody>
+      </p:sp>
+      <p:sp>
+        <p:nvSpPr>
+          <p:cNvPr id="3" name="Content Placeholder 2">
+            <a:extLst>
+              <a:ext uri="{FF2B5EF4-FFF2-40B4-BE49-F238E27FC236}">
+                <a16:creationId xmlns:a16="http://schemas.microsoft.com/office/drawing/2014/main" id="{16CC3625-9A1F-215F-A407-5943751BFF5C}"/>
+              </a:ext>
+            </a:extLst>
+          </p:cNvPr>
+          <p:cNvSpPr>
+            <a:spLocks noGrp="1"/>
+          </p:cNvSpPr>
+          <p:nvPr>
+            <p:ph idx="1"/>
+          </p:nvPr>
+        </p:nvSpPr>
+        <p:spPr>
+          <a:xfrm>
+            <a:off x="1055715" y="-1174351"/>
+            <a:ext cx="5040285" cy="7314949"/>
           </a:xfrm>
         </p:spPr>
         <p:txBody>
-          <a:bodyPr>
+          <a:bodyPr anchor="ctr">
             <a:normAutofit/>
           </a:bodyPr>
           <a:lstStyle/>
           <a:p>
             <a:r>
-              <a:rPr lang="en-US" sz="2000" dirty="0"/>
-              <a:t>Training takes about 5 minutes with acceptable parameters. </a:t>
-            </a:r>
-            <a:r>
-              <a:rPr lang="en-US" sz="1800" dirty="0"/>
-              <a:t>GPU allows for much faster </a:t>
-            </a:r>
-            <a:r>
-              <a:rPr lang="en-US" sz="1400" dirty="0"/>
-              <a:t>(was 30 minutes before)</a:t>
-            </a:r>
-            <a:endParaRPr lang="en-US" sz="1800" dirty="0"/>
-          </a:p>
-          <a:p>
-            <a:r>
-              <a:rPr lang="en-US" sz="2000" dirty="0"/>
+              <a:rPr lang="en-US" sz="1600" dirty="0"/>
+              <a:t>Training takes about 5 minutes with acceptable parameters. GPU allows for much faster train (was 30 minutes before)</a:t>
+            </a:r>
+          </a:p>
+          <a:p>
+            <a:r>
+              <a:rPr lang="en-US" sz="1600" dirty="0"/>
               <a:t>Can also reduce </a:t>
             </a:r>
             <a:r>
-              <a:rPr lang="en-US" sz="2000" dirty="0" err="1"/>
+              <a:rPr lang="en-US" sz="1600" dirty="0" err="1"/>
               <a:t>dimention</a:t>
             </a:r>
             <a:r>
-              <a:rPr lang="en-US" sz="2000" dirty="0"/>
-              <a:t> for faster</a:t>
-            </a:r>
-          </a:p>
-          <a:p>
-            <a:r>
-              <a:rPr lang="en-US" sz="2000" dirty="0"/>
+              <a:rPr lang="en-US" sz="1600" dirty="0"/>
+              <a:t> for faster train</a:t>
+            </a:r>
+          </a:p>
+          <a:p>
+            <a:r>
+              <a:rPr lang="en-US" sz="1600" dirty="0"/>
               <a:t>Model cache 4.23 MB</a:t>
             </a:r>
           </a:p>
           <a:p>
-            <a:endParaRPr lang="en-US" sz="2000" dirty="0"/>
-          </a:p>
-          <a:p>
-            <a:endParaRPr lang="en-US" sz="2000" dirty="0"/>
-          </a:p>
-          <a:p>
-            <a:endParaRPr lang="en-US" sz="2000" dirty="0"/>
-          </a:p>
-          <a:p>
-            <a:r>
-              <a:rPr lang="en-US" sz="2000" dirty="0"/>
-              <a:t>Matching is really not good as of now. Tweaks are to be done</a:t>
-            </a:r>
-          </a:p>
-          <a:p>
-            <a:r>
-              <a:rPr lang="en-US" sz="2000" dirty="0"/>
-              <a:t>On the right: was supposed to </a:t>
-            </a:r>
-            <a:r>
-              <a:rPr lang="en-US" sz="2000"/>
-              <a:t>be Acrylonitrile.</a:t>
-            </a:r>
-            <a:endParaRPr lang="en-US" sz="2000" dirty="0"/>
+            <a:endParaRPr lang="en-US" sz="1600" dirty="0"/>
+          </a:p>
+          <a:p>
+            <a:endParaRPr lang="en-US" sz="1600" dirty="0"/>
+          </a:p>
+          <a:p>
+            <a:endParaRPr lang="en-US" sz="1600" dirty="0"/>
+          </a:p>
+          <a:p>
+            <a:r>
+              <a:rPr lang="en-US" sz="1600" dirty="0"/>
+              <a:t>Matching is really not good as of now. Tweaks are to be done. (regressor model, loss function, model sizes and parameters)</a:t>
+            </a:r>
+          </a:p>
+          <a:p>
+            <a:r>
+              <a:rPr lang="en-US" sz="1600" dirty="0"/>
+              <a:t>On the right: was supposed to be Acrylonitrile.</a:t>
+            </a:r>
           </a:p>
         </p:txBody>
       </p:sp>
       <p:pic>
         <p:nvPicPr>
-          <p:cNvPr id="5" name="Picture 4">
-            <a:extLst>
-              <a:ext uri="{FF2B5EF4-FFF2-40B4-BE49-F238E27FC236}">
-                <a16:creationId xmlns:a16="http://schemas.microsoft.com/office/drawing/2014/main" id="{53166A7E-4CBB-F968-BF56-DA2379094F2E}"/>
+          <p:cNvPr id="7" name="Picture 6">
+            <a:extLst>
+              <a:ext uri="{FF2B5EF4-FFF2-40B4-BE49-F238E27FC236}">
+                <a16:creationId xmlns:a16="http://schemas.microsoft.com/office/drawing/2014/main" id="{FF481EE4-DF07-90F8-BE0A-F7B8BB24848C}"/>
               </a:ext>
             </a:extLst>
           </p:cNvPr>
@@ -4685,8 +5026,8 @@
         </p:blipFill>
         <p:spPr>
           <a:xfrm>
-            <a:off x="7440478" y="407504"/>
-            <a:ext cx="4420217" cy="1619476"/>
+            <a:off x="6946667" y="609952"/>
+            <a:ext cx="4389120" cy="2194560"/>
           </a:xfrm>
           <a:prstGeom prst="rect">
             <a:avLst/>
@@ -4695,10 +5036,10 @@
       </p:pic>
       <p:pic>
         <p:nvPicPr>
-          <p:cNvPr id="7" name="Picture 6">
-            <a:extLst>
-              <a:ext uri="{FF2B5EF4-FFF2-40B4-BE49-F238E27FC236}">
-                <a16:creationId xmlns:a16="http://schemas.microsoft.com/office/drawing/2014/main" id="{FF481EE4-DF07-90F8-BE0A-F7B8BB24848C}"/>
+          <p:cNvPr id="5" name="Picture 4">
+            <a:extLst>
+              <a:ext uri="{FF2B5EF4-FFF2-40B4-BE49-F238E27FC236}">
+                <a16:creationId xmlns:a16="http://schemas.microsoft.com/office/drawing/2014/main" id="{53166A7E-4CBB-F968-BF56-DA2379094F2E}"/>
               </a:ext>
             </a:extLst>
           </p:cNvPr>
@@ -4715,8 +5056,8 @@
         </p:blipFill>
         <p:spPr>
           <a:xfrm>
-            <a:off x="6373690" y="2814551"/>
-            <a:ext cx="5706271" cy="2848373"/>
+            <a:off x="6946667" y="3786146"/>
+            <a:ext cx="4389120" cy="1608082"/>
           </a:xfrm>
           <a:prstGeom prst="rect">
             <a:avLst/>
@@ -4727,6 +5068,107 @@
     <p:extLst>
       <p:ext uri="{BB962C8B-B14F-4D97-AF65-F5344CB8AC3E}">
         <p14:creationId xmlns:p14="http://schemas.microsoft.com/office/powerpoint/2010/main" val="1404367269"/>
+      </p:ext>
+    </p:extLst>
+  </p:cSld>
+  <p:clrMapOvr>
+    <a:masterClrMapping/>
+  </p:clrMapOvr>
+</p:sld>
+</file>
+
+<file path=ppt/slides/slide7.xml><?xml version="1.0" encoding="utf-8"?>
+<p:sld xmlns:a="http://schemas.openxmlformats.org/drawingml/2006/main" xmlns:r="http://schemas.openxmlformats.org/officeDocument/2006/relationships" xmlns:p="http://schemas.openxmlformats.org/presentationml/2006/main">
+  <p:cSld>
+    <p:spTree>
+      <p:nvGrpSpPr>
+        <p:cNvPr id="1" name=""/>
+        <p:cNvGrpSpPr/>
+        <p:nvPr/>
+      </p:nvGrpSpPr>
+      <p:grpSpPr>
+        <a:xfrm>
+          <a:off x="0" y="0"/>
+          <a:ext cx="0" cy="0"/>
+          <a:chOff x="0" y="0"/>
+          <a:chExt cx="0" cy="0"/>
+        </a:xfrm>
+      </p:grpSpPr>
+      <p:sp>
+        <p:nvSpPr>
+          <p:cNvPr id="3" name="Content Placeholder 2">
+            <a:extLst>
+              <a:ext uri="{FF2B5EF4-FFF2-40B4-BE49-F238E27FC236}">
+                <a16:creationId xmlns:a16="http://schemas.microsoft.com/office/drawing/2014/main" id="{5DA97EBE-A0FD-3A24-70B3-F738BF823208}"/>
+              </a:ext>
+            </a:extLst>
+          </p:cNvPr>
+          <p:cNvSpPr>
+            <a:spLocks noGrp="1"/>
+          </p:cNvSpPr>
+          <p:nvPr>
+            <p:ph idx="1"/>
+          </p:nvPr>
+        </p:nvSpPr>
+        <p:spPr>
+          <a:xfrm>
+            <a:off x="431074" y="326571"/>
+            <a:ext cx="6570617" cy="5850392"/>
+          </a:xfrm>
+        </p:spPr>
+        <p:txBody>
+          <a:bodyPr>
+            <a:normAutofit/>
+          </a:bodyPr>
+          <a:lstStyle/>
+          <a:p>
+            <a:r>
+              <a:rPr lang="en-US" sz="2000" dirty="0"/>
+              <a:t>After the testing part is satisfactory, I can implement a confidence level for the UI to show. </a:t>
+            </a:r>
+          </a:p>
+          <a:p>
+            <a:r>
+              <a:rPr lang="en-US" sz="2000" dirty="0"/>
+              <a:t>Also, more than one sample should be shown, the ones with highest confidence, but not just one.</a:t>
+            </a:r>
+          </a:p>
+        </p:txBody>
+      </p:sp>
+      <p:pic>
+        <p:nvPicPr>
+          <p:cNvPr id="5" name="Picture 4">
+            <a:extLst>
+              <a:ext uri="{FF2B5EF4-FFF2-40B4-BE49-F238E27FC236}">
+                <a16:creationId xmlns:a16="http://schemas.microsoft.com/office/drawing/2014/main" id="{1C0A778E-9977-AFDB-F125-346D41054618}"/>
+              </a:ext>
+            </a:extLst>
+          </p:cNvPr>
+          <p:cNvPicPr>
+            <a:picLocks noChangeAspect="1"/>
+          </p:cNvPicPr>
+          <p:nvPr/>
+        </p:nvPicPr>
+        <p:blipFill>
+          <a:blip r:embed="rId2"/>
+          <a:stretch>
+            <a:fillRect/>
+          </a:stretch>
+        </p:blipFill>
+        <p:spPr>
+          <a:xfrm>
+            <a:off x="7589520" y="326571"/>
+            <a:ext cx="4384225" cy="1072963"/>
+          </a:xfrm>
+          <a:prstGeom prst="rect">
+            <a:avLst/>
+          </a:prstGeom>
+        </p:spPr>
+      </p:pic>
+    </p:spTree>
+    <p:extLst>
+      <p:ext uri="{BB962C8B-B14F-4D97-AF65-F5344CB8AC3E}">
+        <p14:creationId xmlns:p14="http://schemas.microsoft.com/office/powerpoint/2010/main" val="2879961825"/>
       </p:ext>
     </p:extLst>
   </p:cSld>

--- a/raman_week11.pptx
+++ b/raman_week11.pptx
@@ -267,7 +267,7 @@
           <a:p>
             <a:fld id="{6822D85E-D2FB-42BA-8FC7-836FE23099A3}" type="datetimeFigureOut">
               <a:rPr lang="en-CH" smtClean="0"/>
-              <a:t>27.11.2025</a:t>
+              <a:t>11/28/2025</a:t>
             </a:fld>
             <a:endParaRPr lang="en-CH"/>
           </a:p>
@@ -467,7 +467,7 @@
           <a:p>
             <a:fld id="{6822D85E-D2FB-42BA-8FC7-836FE23099A3}" type="datetimeFigureOut">
               <a:rPr lang="en-CH" smtClean="0"/>
-              <a:t>27.11.2025</a:t>
+              <a:t>11/28/2025</a:t>
             </a:fld>
             <a:endParaRPr lang="en-CH"/>
           </a:p>
@@ -677,7 +677,7 @@
           <a:p>
             <a:fld id="{6822D85E-D2FB-42BA-8FC7-836FE23099A3}" type="datetimeFigureOut">
               <a:rPr lang="en-CH" smtClean="0"/>
-              <a:t>27.11.2025</a:t>
+              <a:t>11/28/2025</a:t>
             </a:fld>
             <a:endParaRPr lang="en-CH"/>
           </a:p>
@@ -877,7 +877,7 @@
           <a:p>
             <a:fld id="{6822D85E-D2FB-42BA-8FC7-836FE23099A3}" type="datetimeFigureOut">
               <a:rPr lang="en-CH" smtClean="0"/>
-              <a:t>27.11.2025</a:t>
+              <a:t>11/28/2025</a:t>
             </a:fld>
             <a:endParaRPr lang="en-CH"/>
           </a:p>
@@ -1153,7 +1153,7 @@
           <a:p>
             <a:fld id="{6822D85E-D2FB-42BA-8FC7-836FE23099A3}" type="datetimeFigureOut">
               <a:rPr lang="en-CH" smtClean="0"/>
-              <a:t>27.11.2025</a:t>
+              <a:t>11/28/2025</a:t>
             </a:fld>
             <a:endParaRPr lang="en-CH"/>
           </a:p>
@@ -1421,7 +1421,7 @@
           <a:p>
             <a:fld id="{6822D85E-D2FB-42BA-8FC7-836FE23099A3}" type="datetimeFigureOut">
               <a:rPr lang="en-CH" smtClean="0"/>
-              <a:t>27.11.2025</a:t>
+              <a:t>11/28/2025</a:t>
             </a:fld>
             <a:endParaRPr lang="en-CH"/>
           </a:p>
@@ -1836,7 +1836,7 @@
           <a:p>
             <a:fld id="{6822D85E-D2FB-42BA-8FC7-836FE23099A3}" type="datetimeFigureOut">
               <a:rPr lang="en-CH" smtClean="0"/>
-              <a:t>27.11.2025</a:t>
+              <a:t>11/28/2025</a:t>
             </a:fld>
             <a:endParaRPr lang="en-CH"/>
           </a:p>
@@ -1978,7 +1978,7 @@
           <a:p>
             <a:fld id="{6822D85E-D2FB-42BA-8FC7-836FE23099A3}" type="datetimeFigureOut">
               <a:rPr lang="en-CH" smtClean="0"/>
-              <a:t>27.11.2025</a:t>
+              <a:t>11/28/2025</a:t>
             </a:fld>
             <a:endParaRPr lang="en-CH"/>
           </a:p>
@@ -2091,7 +2091,7 @@
           <a:p>
             <a:fld id="{6822D85E-D2FB-42BA-8FC7-836FE23099A3}" type="datetimeFigureOut">
               <a:rPr lang="en-CH" smtClean="0"/>
-              <a:t>27.11.2025</a:t>
+              <a:t>11/28/2025</a:t>
             </a:fld>
             <a:endParaRPr lang="en-CH"/>
           </a:p>
@@ -2404,7 +2404,7 @@
           <a:p>
             <a:fld id="{6822D85E-D2FB-42BA-8FC7-836FE23099A3}" type="datetimeFigureOut">
               <a:rPr lang="en-CH" smtClean="0"/>
-              <a:t>27.11.2025</a:t>
+              <a:t>11/28/2025</a:t>
             </a:fld>
             <a:endParaRPr lang="en-CH"/>
           </a:p>
@@ -2693,7 +2693,7 @@
           <a:p>
             <a:fld id="{6822D85E-D2FB-42BA-8FC7-836FE23099A3}" type="datetimeFigureOut">
               <a:rPr lang="en-CH" smtClean="0"/>
-              <a:t>27.11.2025</a:t>
+              <a:t>11/28/2025</a:t>
             </a:fld>
             <a:endParaRPr lang="en-CH"/>
           </a:p>
@@ -2936,7 +2936,7 @@
           <a:p>
             <a:fld id="{6822D85E-D2FB-42BA-8FC7-836FE23099A3}" type="datetimeFigureOut">
               <a:rPr lang="en-CH" smtClean="0"/>
-              <a:t>27.11.2025</a:t>
+              <a:t>11/28/2025</a:t>
             </a:fld>
             <a:endParaRPr lang="en-CH"/>
           </a:p>
@@ -5122,6 +5122,12 @@
           </a:bodyPr>
           <a:lstStyle/>
           <a:p>
+            <a:endParaRPr lang="en-US" sz="2000" dirty="0"/>
+          </a:p>
+          <a:p>
+            <a:endParaRPr lang="en-US" sz="2000" dirty="0"/>
+          </a:p>
+          <a:p>
             <a:r>
               <a:rPr lang="en-US" sz="2000" dirty="0"/>
               <a:t>After the testing part is satisfactory, I can implement a confidence level for the UI to show. </a:t>
@@ -5132,6 +5138,21 @@
               <a:rPr lang="en-US" sz="2000" dirty="0"/>
               <a:t>Also, more than one sample should be shown, the ones with highest confidence, but not just one.</a:t>
             </a:r>
+          </a:p>
+          <a:p>
+            <a:endParaRPr lang="en-US" sz="2000" dirty="0"/>
+          </a:p>
+          <a:p>
+            <a:endParaRPr lang="en-US" sz="2000" dirty="0"/>
+          </a:p>
+          <a:p>
+            <a:r>
+              <a:rPr lang="en-US" sz="2000" dirty="0"/>
+              <a:t>Todo: implement the “send to database” buttons and retrain model. </a:t>
+            </a:r>
+          </a:p>
+          <a:p>
+            <a:endParaRPr lang="en-US" sz="2000" dirty="0"/>
           </a:p>
         </p:txBody>
       </p:sp>
@@ -5157,7 +5178,7 @@
         </p:blipFill>
         <p:spPr>
           <a:xfrm>
-            <a:off x="7589520" y="326571"/>
+            <a:off x="7577644" y="1229096"/>
             <a:ext cx="4384225" cy="1072963"/>
           </a:xfrm>
           <a:prstGeom prst="rect">
